--- a/presentation/presentation.pptx
+++ b/presentation/presentation.pptx
@@ -243,7 +243,7 @@
           <a:p>
             <a:fld id="{A8A94D3D-AA65-9D43-9A3A-80711E35FCEA}" type="datetimeFigureOut">
               <a:rPr lang="de-DE" smtClean="0"/>
-              <a:t>06.11.13</a:t>
+              <a:t>05.11.13</a:t>
             </a:fld>
             <a:endParaRPr lang="de-DE"/>
           </a:p>
@@ -408,7 +408,7 @@
           <a:p>
             <a:fld id="{9168441F-F366-E04D-812C-D98FC549B967}" type="datetimeFigureOut">
               <a:rPr lang="de-DE" smtClean="0"/>
-              <a:t>06.11.13</a:t>
+              <a:t>05.11.13</a:t>
             </a:fld>
             <a:endParaRPr lang="de-DE" dirty="0"/>
           </a:p>
@@ -8593,13 +8593,6 @@
           </a:p>
           <a:p>
             <a:r>
-              <a:rPr lang="en-US" dirty="0" smtClean="0">
-                <a:latin typeface="Consolas"/>
-                <a:cs typeface="Consolas"/>
-              </a:rPr>
-              <a:t>(Soot-)</a:t>
-            </a:r>
-            <a:r>
               <a:rPr lang="en-US" dirty="0" err="1" smtClean="0">
                 <a:latin typeface="Consolas"/>
                 <a:cs typeface="Consolas"/>
@@ -11180,16 +11173,17 @@
           <a:p>
             <a:r>
               <a:rPr lang="en-US" dirty="0" smtClean="0"/>
-              <a:t>basis for a </a:t>
-            </a:r>
-            <a:r>
-              <a:rPr lang="en-US" i="1" dirty="0" smtClean="0"/>
+              <a:t>foundation for </a:t>
+            </a:r>
+            <a:r>
+              <a:rPr lang="en-US" i="1" dirty="0"/>
               <a:t>Gradual </a:t>
             </a:r>
             <a:r>
               <a:rPr lang="en-US" i="1" dirty="0" smtClean="0"/>
               <a:t>Type System</a:t>
             </a:r>
+            <a:endParaRPr lang="en-US" i="1" dirty="0" smtClean="0"/>
           </a:p>
           <a:p>
             <a:endParaRPr lang="en-US" dirty="0"/>
@@ -12297,7 +12291,11 @@
             </a:r>
             <a:r>
               <a:rPr lang="en-US" i="1" dirty="0" smtClean="0"/>
-              <a:t>Gradual Type System</a:t>
+              <a:t>Gradual </a:t>
+            </a:r>
+            <a:r>
+              <a:rPr lang="en-US" i="1" dirty="0" smtClean="0"/>
+              <a:t>Type System</a:t>
             </a:r>
             <a:endParaRPr lang="en-US" i="1" dirty="0"/>
           </a:p>
